--- a/Mycat介绍.pptx
+++ b/Mycat介绍.pptx
@@ -126,6 +126,11 @@
       </a:defRPr>
     </a:lvl9pPr>
   </p:defaultTextStyle>
+  <p:extLst>
+    <p:ext uri="{EFAFB233-063F-42B5-8137-9DF3F51BA10A}">
+      <p15:sldGuideLst xmlns:p15="http://schemas.microsoft.com/office/powerpoint/2012/main"/>
+    </p:ext>
+  </p:extLst>
 </p:presentation>
 </file>
 
@@ -320,7 +325,7 @@
           <a:p>
             <a:fld id="{5AD4A2A1-2602-4559-8208-A8E85F411188}" type="datetimeFigureOut">
               <a:rPr lang="en-US" smtClean="0"/>
-              <a:t>4/24/2015</a:t>
+              <a:t>6/7/2015</a:t>
             </a:fld>
             <a:endParaRPr lang="en-US"/>
           </a:p>
@@ -756,7 +761,7 @@
           <a:p>
             <a:fld id="{5AD4A2A1-2602-4559-8208-A8E85F411188}" type="datetimeFigureOut">
               <a:rPr lang="en-US" smtClean="0"/>
-              <a:t>4/24/2015</a:t>
+              <a:t>6/7/2015</a:t>
             </a:fld>
             <a:endParaRPr lang="en-US"/>
           </a:p>
@@ -1006,7 +1011,7 @@
           <a:p>
             <a:fld id="{5AD4A2A1-2602-4559-8208-A8E85F411188}" type="datetimeFigureOut">
               <a:rPr lang="en-US" smtClean="0"/>
-              <a:t>4/24/2015</a:t>
+              <a:t>6/7/2015</a:t>
             </a:fld>
             <a:endParaRPr lang="en-US"/>
           </a:p>
@@ -1314,7 +1319,7 @@
           <a:p>
             <a:fld id="{5AD4A2A1-2602-4559-8208-A8E85F411188}" type="datetimeFigureOut">
               <a:rPr lang="en-US" smtClean="0"/>
-              <a:t>4/24/2015</a:t>
+              <a:t>6/7/2015</a:t>
             </a:fld>
             <a:endParaRPr lang="en-US"/>
           </a:p>
@@ -1632,7 +1637,7 @@
           <a:p>
             <a:fld id="{5AD4A2A1-2602-4559-8208-A8E85F411188}" type="datetimeFigureOut">
               <a:rPr lang="en-US" smtClean="0"/>
-              <a:t>4/24/2015</a:t>
+              <a:t>6/7/2015</a:t>
             </a:fld>
             <a:endParaRPr lang="en-US"/>
           </a:p>
@@ -1934,7 +1939,7 @@
           <a:p>
             <a:fld id="{5AD4A2A1-2602-4559-8208-A8E85F411188}" type="datetimeFigureOut">
               <a:rPr lang="en-US" smtClean="0"/>
-              <a:t>4/24/2015</a:t>
+              <a:t>6/7/2015</a:t>
             </a:fld>
             <a:endParaRPr lang="en-US"/>
           </a:p>
@@ -2301,7 +2306,7 @@
           <a:p>
             <a:fld id="{5AD4A2A1-2602-4559-8208-A8E85F411188}" type="datetimeFigureOut">
               <a:rPr lang="en-US" smtClean="0"/>
-              <a:t>4/24/2015</a:t>
+              <a:t>6/7/2015</a:t>
             </a:fld>
             <a:endParaRPr lang="en-US"/>
           </a:p>
@@ -2475,7 +2480,7 @@
           <a:p>
             <a:fld id="{5AD4A2A1-2602-4559-8208-A8E85F411188}" type="datetimeFigureOut">
               <a:rPr lang="en-US" smtClean="0"/>
-              <a:t>4/24/2015</a:t>
+              <a:t>6/7/2015</a:t>
             </a:fld>
             <a:endParaRPr lang="en-US"/>
           </a:p>
@@ -2655,7 +2660,7 @@
           <a:p>
             <a:fld id="{5AD4A2A1-2602-4559-8208-A8E85F411188}" type="datetimeFigureOut">
               <a:rPr lang="en-US" smtClean="0"/>
-              <a:t>4/24/2015</a:t>
+              <a:t>6/7/2015</a:t>
             </a:fld>
             <a:endParaRPr lang="en-US"/>
           </a:p>
@@ -2825,7 +2830,7 @@
           <a:p>
             <a:fld id="{5AD4A2A1-2602-4559-8208-A8E85F411188}" type="datetimeFigureOut">
               <a:rPr lang="en-US" smtClean="0"/>
-              <a:t>4/24/2015</a:t>
+              <a:t>6/7/2015</a:t>
             </a:fld>
             <a:endParaRPr lang="en-US"/>
           </a:p>
@@ -3075,7 +3080,7 @@
           <a:p>
             <a:fld id="{5AD4A2A1-2602-4559-8208-A8E85F411188}" type="datetimeFigureOut">
               <a:rPr lang="en-US" smtClean="0"/>
-              <a:t>4/24/2015</a:t>
+              <a:t>6/7/2015</a:t>
             </a:fld>
             <a:endParaRPr lang="en-US"/>
           </a:p>
@@ -3311,7 +3316,7 @@
           <a:p>
             <a:fld id="{5AD4A2A1-2602-4559-8208-A8E85F411188}" type="datetimeFigureOut">
               <a:rPr lang="en-US" smtClean="0"/>
-              <a:t>4/24/2015</a:t>
+              <a:t>6/7/2015</a:t>
             </a:fld>
             <a:endParaRPr lang="en-US"/>
           </a:p>
@@ -3693,7 +3698,7 @@
           <a:p>
             <a:fld id="{5AD4A2A1-2602-4559-8208-A8E85F411188}" type="datetimeFigureOut">
               <a:rPr lang="en-US" smtClean="0"/>
-              <a:t>4/24/2015</a:t>
+              <a:t>6/7/2015</a:t>
             </a:fld>
             <a:endParaRPr lang="en-US"/>
           </a:p>
@@ -3811,7 +3816,7 @@
           <a:p>
             <a:fld id="{5AD4A2A1-2602-4559-8208-A8E85F411188}" type="datetimeFigureOut">
               <a:rPr lang="en-US" smtClean="0"/>
-              <a:t>4/24/2015</a:t>
+              <a:t>6/7/2015</a:t>
             </a:fld>
             <a:endParaRPr lang="en-US"/>
           </a:p>
@@ -3906,7 +3911,7 @@
           <a:p>
             <a:fld id="{5AD4A2A1-2602-4559-8208-A8E85F411188}" type="datetimeFigureOut">
               <a:rPr lang="en-US" smtClean="0"/>
-              <a:t>4/24/2015</a:t>
+              <a:t>6/7/2015</a:t>
             </a:fld>
             <a:endParaRPr lang="en-US"/>
           </a:p>
@@ -4161,7 +4166,7 @@
           <a:p>
             <a:fld id="{5AD4A2A1-2602-4559-8208-A8E85F411188}" type="datetimeFigureOut">
               <a:rPr lang="en-US" smtClean="0"/>
-              <a:t>4/24/2015</a:t>
+              <a:t>6/7/2015</a:t>
             </a:fld>
             <a:endParaRPr lang="en-US"/>
           </a:p>
@@ -4444,7 +4449,7 @@
           <a:p>
             <a:fld id="{5AD4A2A1-2602-4559-8208-A8E85F411188}" type="datetimeFigureOut">
               <a:rPr lang="en-US" smtClean="0"/>
-              <a:t>4/24/2015</a:t>
+              <a:t>6/7/2015</a:t>
             </a:fld>
             <a:endParaRPr lang="en-US"/>
           </a:p>
@@ -4850,7 +4855,7 @@
           <a:p>
             <a:fld id="{5AD4A2A1-2602-4559-8208-A8E85F411188}" type="datetimeFigureOut">
               <a:rPr lang="en-US" smtClean="0"/>
-              <a:t>4/24/2015</a:t>
+              <a:t>6/7/2015</a:t>
             </a:fld>
             <a:endParaRPr lang="en-US"/>
           </a:p>
@@ -7917,7 +7922,7 @@
                   <a:srgbClr val="FFFF00"/>
                 </a:solidFill>
               </a:rPr>
-              <a:t>4</a:t>
+              <a:t>6</a:t>
             </a:r>
             <a:r>
               <a:rPr lang="zh-CN" altLang="en-US" sz="2400" dirty="0" smtClean="0">
@@ -7925,7 +7930,15 @@
                   <a:srgbClr val="FFFF00"/>
                 </a:solidFill>
               </a:rPr>
-              <a:t>月为止，</a:t>
+              <a:t>月</a:t>
+            </a:r>
+            <a:r>
+              <a:rPr lang="zh-CN" altLang="en-US" sz="2400" dirty="0" smtClean="0">
+                <a:solidFill>
+                  <a:srgbClr val="FFFF00"/>
+                </a:solidFill>
+              </a:rPr>
+              <a:t>为止，</a:t>
             </a:r>
             <a:r>
               <a:rPr lang="en-US" altLang="zh-CN" sz="2400" dirty="0" err="1" smtClean="0">
@@ -7949,7 +7962,7 @@
                   <a:srgbClr val="FFFF00"/>
                 </a:solidFill>
               </a:rPr>
-              <a:t>13</a:t>
+              <a:t>17</a:t>
             </a:r>
             <a:r>
               <a:rPr lang="zh-CN" altLang="en-US" sz="2400" dirty="0" smtClean="0">
@@ -7973,7 +7986,15 @@
                   <a:srgbClr val="FFFF00"/>
                 </a:solidFill>
               </a:rPr>
-              <a:t>，其中核心参与者的年薪总额超过</a:t>
+              <a:t>，其中核心参与者的年薪总额</a:t>
+            </a:r>
+            <a:r>
+              <a:rPr lang="zh-CN" altLang="en-US" sz="2400" dirty="0" smtClean="0">
+                <a:solidFill>
+                  <a:srgbClr val="FFFF00"/>
+                </a:solidFill>
+              </a:rPr>
+              <a:t>超过</a:t>
             </a:r>
             <a:r>
               <a:rPr lang="en-US" altLang="zh-CN" sz="2400" dirty="0" smtClean="0">
@@ -7981,7 +8002,7 @@
                   <a:srgbClr val="FFFF00"/>
                 </a:solidFill>
               </a:rPr>
-              <a:t>200</a:t>
+              <a:t>300</a:t>
             </a:r>
             <a:r>
               <a:rPr lang="zh-CN" altLang="en-US" sz="2400" dirty="0" smtClean="0">
@@ -10539,10 +10560,6 @@
               </a:rPr>
               <a:t>解决的问题</a:t>
             </a:r>
-            <a:endParaRPr lang="zh-CN" altLang="en-US" dirty="0" smtClean="0">
-              <a:latin typeface="微软雅黑" panose="020B0503020204020204" pitchFamily="34" charset="-122"/>
-              <a:ea typeface="微软雅黑" panose="020B0503020204020204" pitchFamily="34" charset="-122"/>
-            </a:endParaRPr>
           </a:p>
         </p:txBody>
       </p:sp>
@@ -15319,19 +15336,8 @@
                 <a:latin typeface="微软雅黑" panose="020B0503020204020204" pitchFamily="34" charset="-122"/>
                 <a:ea typeface="微软雅黑" panose="020B0503020204020204" pitchFamily="34" charset="-122"/>
               </a:rPr>
-              <a:t>引入 连接</a:t>
-            </a:r>
-            <a:r>
-              <a:rPr lang="zh-CN" altLang="en-US" dirty="0" smtClean="0">
-                <a:latin typeface="微软雅黑" panose="020B0503020204020204" pitchFamily="34" charset="-122"/>
-                <a:ea typeface="微软雅黑" panose="020B0503020204020204" pitchFamily="34" charset="-122"/>
-              </a:rPr>
-              <a:t>复用解决多应用竞争问题</a:t>
-            </a:r>
-            <a:endParaRPr lang="zh-CN" altLang="en-US" dirty="0" smtClean="0">
-              <a:latin typeface="微软雅黑" panose="020B0503020204020204" pitchFamily="34" charset="-122"/>
-              <a:ea typeface="微软雅黑" panose="020B0503020204020204" pitchFamily="34" charset="-122"/>
-            </a:endParaRPr>
+              <a:t>引入 连接复用解决多应用竞争问题</a:t>
+            </a:r>
           </a:p>
         </p:txBody>
       </p:sp>
